--- a/מסעדה בקורונה (1).pptx
+++ b/מסעדה בקורונה (1).pptx
@@ -246,7 +246,7 @@
           <a:p>
             <a:fld id="{17C7AF2C-C19C-4611-99EA-66DBB5E647D4}" type="datetimeFigureOut">
               <a:rPr lang="he-IL" smtClean="0"/>
-              <a:t>ד'/אלול/תש"פ</a:t>
+              <a:t>ה'/אלול/תש"פ</a:t>
             </a:fld>
             <a:endParaRPr lang="he-IL"/>
           </a:p>
@@ -416,7 +416,7 @@
           <a:p>
             <a:fld id="{17C7AF2C-C19C-4611-99EA-66DBB5E647D4}" type="datetimeFigureOut">
               <a:rPr lang="he-IL" smtClean="0"/>
-              <a:t>ד'/אלול/תש"פ</a:t>
+              <a:t>ה'/אלול/תש"פ</a:t>
             </a:fld>
             <a:endParaRPr lang="he-IL"/>
           </a:p>
@@ -596,7 +596,7 @@
           <a:p>
             <a:fld id="{17C7AF2C-C19C-4611-99EA-66DBB5E647D4}" type="datetimeFigureOut">
               <a:rPr lang="he-IL" smtClean="0"/>
-              <a:t>ד'/אלול/תש"פ</a:t>
+              <a:t>ה'/אלול/תש"פ</a:t>
             </a:fld>
             <a:endParaRPr lang="he-IL"/>
           </a:p>
@@ -766,7 +766,7 @@
           <a:p>
             <a:fld id="{17C7AF2C-C19C-4611-99EA-66DBB5E647D4}" type="datetimeFigureOut">
               <a:rPr lang="he-IL" smtClean="0"/>
-              <a:t>ד'/אלול/תש"פ</a:t>
+              <a:t>ה'/אלול/תש"פ</a:t>
             </a:fld>
             <a:endParaRPr lang="he-IL"/>
           </a:p>
@@ -1012,7 +1012,7 @@
           <a:p>
             <a:fld id="{17C7AF2C-C19C-4611-99EA-66DBB5E647D4}" type="datetimeFigureOut">
               <a:rPr lang="he-IL" smtClean="0"/>
-              <a:t>ד'/אלול/תש"פ</a:t>
+              <a:t>ה'/אלול/תש"פ</a:t>
             </a:fld>
             <a:endParaRPr lang="he-IL"/>
           </a:p>
@@ -1244,7 +1244,7 @@
           <a:p>
             <a:fld id="{17C7AF2C-C19C-4611-99EA-66DBB5E647D4}" type="datetimeFigureOut">
               <a:rPr lang="he-IL" smtClean="0"/>
-              <a:t>ד'/אלול/תש"פ</a:t>
+              <a:t>ה'/אלול/תש"פ</a:t>
             </a:fld>
             <a:endParaRPr lang="he-IL"/>
           </a:p>
@@ -1611,7 +1611,7 @@
           <a:p>
             <a:fld id="{17C7AF2C-C19C-4611-99EA-66DBB5E647D4}" type="datetimeFigureOut">
               <a:rPr lang="he-IL" smtClean="0"/>
-              <a:t>ד'/אלול/תש"פ</a:t>
+              <a:t>ה'/אלול/תש"פ</a:t>
             </a:fld>
             <a:endParaRPr lang="he-IL"/>
           </a:p>
@@ -1729,7 +1729,7 @@
           <a:p>
             <a:fld id="{17C7AF2C-C19C-4611-99EA-66DBB5E647D4}" type="datetimeFigureOut">
               <a:rPr lang="he-IL" smtClean="0"/>
-              <a:t>ד'/אלול/תש"פ</a:t>
+              <a:t>ה'/אלול/תש"פ</a:t>
             </a:fld>
             <a:endParaRPr lang="he-IL"/>
           </a:p>
@@ -1824,7 +1824,7 @@
           <a:p>
             <a:fld id="{17C7AF2C-C19C-4611-99EA-66DBB5E647D4}" type="datetimeFigureOut">
               <a:rPr lang="he-IL" smtClean="0"/>
-              <a:t>ד'/אלול/תש"פ</a:t>
+              <a:t>ה'/אלול/תש"פ</a:t>
             </a:fld>
             <a:endParaRPr lang="he-IL"/>
           </a:p>
@@ -2101,7 +2101,7 @@
           <a:p>
             <a:fld id="{17C7AF2C-C19C-4611-99EA-66DBB5E647D4}" type="datetimeFigureOut">
               <a:rPr lang="he-IL" smtClean="0"/>
-              <a:t>ד'/אלול/תש"פ</a:t>
+              <a:t>ה'/אלול/תש"פ</a:t>
             </a:fld>
             <a:endParaRPr lang="he-IL"/>
           </a:p>
@@ -2354,7 +2354,7 @@
           <a:p>
             <a:fld id="{17C7AF2C-C19C-4611-99EA-66DBB5E647D4}" type="datetimeFigureOut">
               <a:rPr lang="he-IL" smtClean="0"/>
-              <a:t>ד'/אלול/תש"פ</a:t>
+              <a:t>ה'/אלול/תש"פ</a:t>
             </a:fld>
             <a:endParaRPr lang="he-IL"/>
           </a:p>
@@ -2567,7 +2567,7 @@
           <a:p>
             <a:fld id="{17C7AF2C-C19C-4611-99EA-66DBB5E647D4}" type="datetimeFigureOut">
               <a:rPr lang="he-IL" smtClean="0"/>
-              <a:t>ד'/אלול/תש"פ</a:t>
+              <a:t>ה'/אלול/תש"פ</a:t>
             </a:fld>
             <a:endParaRPr lang="he-IL"/>
           </a:p>
@@ -3076,13 +3076,13 @@
   <p:clrMapOvr>
     <a:masterClrMapping/>
   </p:clrMapOvr>
-  <mc:AlternateContent xmlns:mc="http://schemas.openxmlformats.org/markup-compatibility/2006">
-    <mc:Choice xmlns:p14="http://schemas.microsoft.com/office/powerpoint/2010/main" Requires="p14">
+  <mc:AlternateContent xmlns:mc="http://schemas.openxmlformats.org/markup-compatibility/2006" xmlns:p14="http://schemas.microsoft.com/office/powerpoint/2010/main">
+    <mc:Choice Requires="p14">
       <p:transition spd="slow" p14:dur="4000">
         <p14:vortex/>
       </p:transition>
     </mc:Choice>
-    <mc:Fallback>
+    <mc:Fallback xmlns="">
       <p:transition spd="slow">
         <p:fade/>
       </p:transition>
@@ -3115,79 +3115,16 @@
           <a:chExt cx="0" cy="0"/>
         </a:xfrm>
       </p:grpSpPr>
-      <p:sp>
-        <p:nvSpPr>
-          <p:cNvPr id="2" name="TextBox 1"/>
-          <p:cNvSpPr txBox="1"/>
-          <p:nvPr/>
-        </p:nvSpPr>
-        <p:spPr>
-          <a:xfrm>
-            <a:off x="3806825" y="2365308"/>
-            <a:ext cx="5607050" cy="1569660"/>
-          </a:xfrm>
-          <a:prstGeom prst="rect">
-            <a:avLst/>
-          </a:prstGeom>
-          <a:noFill/>
-        </p:spPr>
-        <p:txBody>
-          <a:bodyPr wrap="square" rtlCol="1">
-            <a:spAutoFit/>
-          </a:bodyPr>
-          <a:lstStyle/>
-          <a:p>
-            <a:pPr algn="ctr"/>
-            <a:r>
-              <a:rPr lang="he-IL" sz="2400" dirty="0" smtClean="0"/>
-              <a:t>תקופת הביאה אותנו לסיטואציה שבה יש סכנה ממשית לצאת ולהיחשף </a:t>
-            </a:r>
-            <a:r>
-              <a:rPr lang="he-IL" sz="2400" dirty="0" smtClean="0"/>
-              <a:t>לאנשים וגורם לקשיים רבים בכל תחומי החיים.</a:t>
-            </a:r>
-            <a:endParaRPr lang="he-IL" sz="2400" dirty="0" smtClean="0"/>
-          </a:p>
-          <a:p>
-            <a:pPr algn="ctr"/>
-            <a:endParaRPr lang="he-IL" sz="2400" dirty="0"/>
-          </a:p>
-        </p:txBody>
-      </p:sp>
       <p:pic>
         <p:nvPicPr>
-          <p:cNvPr id="3" name="תמונה 2"/>
-          <p:cNvPicPr>
-            <a:picLocks noChangeAspect="1"/>
-          </p:cNvPicPr>
-          <p:nvPr/>
-        </p:nvPicPr>
-        <p:blipFill>
-          <a:blip r:embed="rId2"/>
-          <a:stretch>
-            <a:fillRect/>
-          </a:stretch>
-        </p:blipFill>
-        <p:spPr>
-          <a:xfrm>
-            <a:off x="152400" y="3598324"/>
-            <a:ext cx="4641850" cy="3092988"/>
-          </a:xfrm>
-          <a:prstGeom prst="rect">
-            <a:avLst/>
-          </a:prstGeom>
-        </p:spPr>
-      </p:pic>
-      <p:pic>
-        <p:nvPicPr>
-          <p:cNvPr id="3076" name="Picture 4" descr="משבר הקורונה: מדיניות כלכלית מומלצת | המכון למחקרי ביטחון לאומי"/>
+          <p:cNvPr id="1026" name="Picture 2" descr="Coronavirus Information | Widener University"/>
           <p:cNvPicPr>
             <a:picLocks noChangeAspect="1" noChangeArrowheads="1"/>
           </p:cNvPicPr>
           <p:nvPr/>
         </p:nvPicPr>
         <p:blipFill>
-          <a:blip r:embed="rId3">
+          <a:blip r:embed="rId2">
             <a:extLst>
               <a:ext uri="{28A0092B-C50C-407E-A947-70E740481C1C}">
                 <a14:useLocalDpi xmlns:a14="http://schemas.microsoft.com/office/drawing/2010/main" val="0"/>
@@ -3201,8 +3138,8 @@
         </p:blipFill>
         <p:spPr bwMode="auto">
           <a:xfrm>
-            <a:off x="6879527" y="42862"/>
-            <a:ext cx="3178873" cy="1981200"/>
+            <a:off x="88900" y="1"/>
+            <a:ext cx="12192000" cy="6857999"/>
           </a:xfrm>
           <a:prstGeom prst="rect">
             <a:avLst/>
@@ -3219,211 +3156,141 @@
           </a:extLst>
         </p:spPr>
       </p:pic>
-      <p:pic>
-        <p:nvPicPr>
-          <p:cNvPr id="3078" name="Picture 6" descr="פעילויות לעידוד ביטוי רגשי בזמן הקורונה - מאוחדת"/>
-          <p:cNvPicPr>
-            <a:picLocks noChangeAspect="1" noChangeArrowheads="1"/>
-          </p:cNvPicPr>
+      <p:sp>
+        <p:nvSpPr>
+          <p:cNvPr id="2" name="TextBox 1"/>
+          <p:cNvSpPr txBox="1"/>
           <p:nvPr/>
-        </p:nvPicPr>
-        <p:blipFill>
-          <a:blip r:embed="rId4">
-            <a:extLst>
-              <a:ext uri="{28A0092B-C50C-407E-A947-70E740481C1C}">
-                <a14:useLocalDpi xmlns:a14="http://schemas.microsoft.com/office/drawing/2010/main" val="0"/>
-              </a:ext>
-            </a:extLst>
-          </a:blip>
-          <a:srcRect/>
-          <a:stretch>
-            <a:fillRect/>
-          </a:stretch>
-        </p:blipFill>
-        <p:spPr bwMode="auto">
+        </p:nvSpPr>
+        <p:spPr>
           <a:xfrm>
-            <a:off x="4181475" y="4724400"/>
-            <a:ext cx="3546465" cy="2081884"/>
+            <a:off x="1582535" y="2670108"/>
+            <a:ext cx="9831388" cy="2862322"/>
           </a:xfrm>
           <a:prstGeom prst="rect">
             <a:avLst/>
           </a:prstGeom>
           <a:noFill/>
-          <a:extLst>
-            <a:ext uri="{909E8E84-426E-40DD-AFC4-6F175D3DCCD1}">
-              <a14:hiddenFill xmlns:a14="http://schemas.microsoft.com/office/drawing/2010/main">
+        </p:spPr>
+        <p:txBody>
+          <a:bodyPr wrap="square" rtlCol="1">
+            <a:spAutoFit/>
+          </a:bodyPr>
+          <a:lstStyle/>
+          <a:p>
+            <a:pPr marL="571500" indent="-571500" algn="ctr">
+              <a:buFont typeface="Arial" panose="020B0604020202020204" pitchFamily="34" charset="0"/>
+              <a:buChar char="•"/>
+            </a:pPr>
+            <a:r>
+              <a:rPr lang="he-IL" sz="4000" dirty="0" smtClean="0">
                 <a:solidFill>
-                  <a:srgbClr val="FFFFFF"/>
+                  <a:schemeClr val="bg1"/>
                 </a:solidFill>
-              </a14:hiddenFill>
-            </a:ext>
-          </a:extLst>
-        </p:spPr>
-      </p:pic>
-      <p:pic>
-        <p:nvPicPr>
-          <p:cNvPr id="3082" name="Picture 10" descr="כל מה שרציתם לדעת על נגיף הקורונה | מחלות זיהומיות"/>
-          <p:cNvPicPr>
-            <a:picLocks noChangeAspect="1" noChangeArrowheads="1"/>
-          </p:cNvPicPr>
+              </a:rPr>
+              <a:t>תקופת הקורונה </a:t>
+            </a:r>
+            <a:r>
+              <a:rPr lang="he-IL" sz="4000" dirty="0" smtClean="0">
+                <a:solidFill>
+                  <a:schemeClr val="bg1"/>
+                </a:solidFill>
+              </a:rPr>
+              <a:t>הביאה אותנו לסיטואציה שבה יש סכנה ממשית לצאת ולהיחשף לאנשים </a:t>
+            </a:r>
+            <a:r>
+              <a:rPr lang="he-IL" sz="4000" dirty="0" smtClean="0">
+                <a:solidFill>
+                  <a:schemeClr val="bg1"/>
+                </a:solidFill>
+              </a:rPr>
+              <a:t>דבר </a:t>
+            </a:r>
+            <a:r>
+              <a:rPr lang="he-IL" sz="4000" dirty="0" smtClean="0">
+                <a:solidFill>
+                  <a:schemeClr val="bg1"/>
+                </a:solidFill>
+              </a:rPr>
+              <a:t>שגורם </a:t>
+            </a:r>
+            <a:r>
+              <a:rPr lang="he-IL" sz="4000" dirty="0" smtClean="0">
+                <a:solidFill>
+                  <a:schemeClr val="bg1"/>
+                </a:solidFill>
+              </a:rPr>
+              <a:t>לקשיים רבים בכל תחומי החיים.</a:t>
+            </a:r>
+          </a:p>
+          <a:p>
+            <a:pPr marL="685800" indent="-685800" algn="ctr">
+              <a:buFont typeface="Arial" panose="020B0604020202020204" pitchFamily="34" charset="0"/>
+              <a:buChar char="•"/>
+            </a:pPr>
+            <a:endParaRPr lang="he-IL" sz="6000" dirty="0">
+              <a:solidFill>
+                <a:schemeClr val="bg1"/>
+              </a:solidFill>
+            </a:endParaRPr>
+          </a:p>
+        </p:txBody>
+      </p:sp>
+      <p:sp>
+        <p:nvSpPr>
+          <p:cNvPr id="4" name="מלבן 3"/>
+          <p:cNvSpPr/>
           <p:nvPr/>
-        </p:nvPicPr>
-        <p:blipFill>
-          <a:blip r:embed="rId5">
-            <a:extLst>
-              <a:ext uri="{28A0092B-C50C-407E-A947-70E740481C1C}">
-                <a14:useLocalDpi xmlns:a14="http://schemas.microsoft.com/office/drawing/2010/main" val="0"/>
-              </a:ext>
-            </a:extLst>
-          </a:blip>
-          <a:srcRect/>
-          <a:stretch>
-            <a:fillRect/>
-          </a:stretch>
-        </p:blipFill>
-        <p:spPr bwMode="auto">
+        </p:nvSpPr>
+        <p:spPr>
           <a:xfrm>
-            <a:off x="9413875" y="1554162"/>
-            <a:ext cx="2619375" cy="1743076"/>
+            <a:off x="3805829" y="1238473"/>
+            <a:ext cx="4758142" cy="923330"/>
           </a:xfrm>
           <a:prstGeom prst="rect">
             <a:avLst/>
           </a:prstGeom>
           <a:noFill/>
-          <a:extLst>
-            <a:ext uri="{909E8E84-426E-40DD-AFC4-6F175D3DCCD1}">
-              <a14:hiddenFill xmlns:a14="http://schemas.microsoft.com/office/drawing/2010/main">
+        </p:spPr>
+        <p:txBody>
+          <a:bodyPr wrap="square" lIns="91440" tIns="45720" rIns="91440" bIns="45720">
+            <a:spAutoFit/>
+          </a:bodyPr>
+          <a:lstStyle/>
+          <a:p>
+            <a:pPr algn="ctr"/>
+            <a:r>
+              <a:rPr lang="en-US" sz="5400" b="1" dirty="0" smtClean="0">
+                <a:ln w="0"/>
                 <a:solidFill>
-                  <a:srgbClr val="FFFFFF"/>
+                  <a:schemeClr val="bg1"/>
                 </a:solidFill>
-              </a14:hiddenFill>
-            </a:ext>
-          </a:extLst>
-        </p:spPr>
-      </p:pic>
-      <p:pic>
-        <p:nvPicPr>
-          <p:cNvPr id="3086" name="Picture 14" descr="על רקע התפשטות הקורונה: מה זה 'מפיץ-על'? מומחית למחלות זיהומיות ..."/>
-          <p:cNvPicPr>
-            <a:picLocks noChangeAspect="1" noChangeArrowheads="1"/>
-          </p:cNvPicPr>
-          <p:nvPr/>
-        </p:nvPicPr>
-        <p:blipFill>
-          <a:blip r:embed="rId6">
-            <a:extLst>
-              <a:ext uri="{28A0092B-C50C-407E-A947-70E740481C1C}">
-                <a14:useLocalDpi xmlns:a14="http://schemas.microsoft.com/office/drawing/2010/main" val="0"/>
-              </a:ext>
-            </a:extLst>
-          </a:blip>
-          <a:srcRect/>
-          <a:stretch>
-            <a:fillRect/>
-          </a:stretch>
-        </p:blipFill>
-        <p:spPr bwMode="auto">
-          <a:xfrm>
-            <a:off x="65087" y="42862"/>
-            <a:ext cx="1914525" cy="2390775"/>
-          </a:xfrm>
-          <a:prstGeom prst="rect">
-            <a:avLst/>
-          </a:prstGeom>
-          <a:noFill/>
-          <a:extLst>
-            <a:ext uri="{909E8E84-426E-40DD-AFC4-6F175D3DCCD1}">
-              <a14:hiddenFill xmlns:a14="http://schemas.microsoft.com/office/drawing/2010/main">
-                <a:solidFill>
-                  <a:srgbClr val="FFFFFF"/>
-                </a:solidFill>
-              </a14:hiddenFill>
-            </a:ext>
-          </a:extLst>
-        </p:spPr>
-      </p:pic>
-      <p:pic>
-        <p:nvPicPr>
-          <p:cNvPr id="3088" name="Picture 16" descr="קורונה: המשבר מלמד כי מערכת הבריאות נכונה לשינוי מהיר | מעריב"/>
-          <p:cNvPicPr>
-            <a:picLocks noChangeAspect="1" noChangeArrowheads="1"/>
-          </p:cNvPicPr>
-          <p:nvPr/>
-        </p:nvPicPr>
-        <p:blipFill>
-          <a:blip r:embed="rId7">
-            <a:extLst>
-              <a:ext uri="{28A0092B-C50C-407E-A947-70E740481C1C}">
-                <a14:useLocalDpi xmlns:a14="http://schemas.microsoft.com/office/drawing/2010/main" val="0"/>
-              </a:ext>
-            </a:extLst>
-          </a:blip>
-          <a:srcRect/>
-          <a:stretch>
-            <a:fillRect/>
-          </a:stretch>
-        </p:blipFill>
-        <p:spPr bwMode="auto">
-          <a:xfrm>
-            <a:off x="1187450" y="2024062"/>
-            <a:ext cx="2552700" cy="1790701"/>
-          </a:xfrm>
-          <a:prstGeom prst="rect">
-            <a:avLst/>
-          </a:prstGeom>
-          <a:noFill/>
-          <a:extLst>
-            <a:ext uri="{909E8E84-426E-40DD-AFC4-6F175D3DCCD1}">
-              <a14:hiddenFill xmlns:a14="http://schemas.microsoft.com/office/drawing/2010/main">
-                <a:solidFill>
-                  <a:srgbClr val="FFFFFF"/>
-                </a:solidFill>
-              </a14:hiddenFill>
-            </a:ext>
-          </a:extLst>
-        </p:spPr>
-      </p:pic>
-      <p:pic>
-        <p:nvPicPr>
-          <p:cNvPr id="3090" name="Picture 18" descr="N12 – אתר החדשות של ישראל - דף 637"/>
-          <p:cNvPicPr>
-            <a:picLocks noChangeAspect="1" noChangeArrowheads="1"/>
-          </p:cNvPicPr>
-          <p:nvPr/>
-        </p:nvPicPr>
-        <p:blipFill>
-          <a:blip r:embed="rId8">
-            <a:extLst>
-              <a:ext uri="{28A0092B-C50C-407E-A947-70E740481C1C}">
-                <a14:useLocalDpi xmlns:a14="http://schemas.microsoft.com/office/drawing/2010/main" val="0"/>
-              </a:ext>
-            </a:extLst>
-          </a:blip>
-          <a:srcRect/>
-          <a:stretch>
-            <a:fillRect/>
-          </a:stretch>
-        </p:blipFill>
-        <p:spPr bwMode="auto">
-          <a:xfrm>
-            <a:off x="8105669" y="3141663"/>
-            <a:ext cx="2209800" cy="1666875"/>
-          </a:xfrm>
-          <a:prstGeom prst="rect">
-            <a:avLst/>
-          </a:prstGeom>
-          <a:noFill/>
-          <a:extLst>
-            <a:ext uri="{909E8E84-426E-40DD-AFC4-6F175D3DCCD1}">
-              <a14:hiddenFill xmlns:a14="http://schemas.microsoft.com/office/drawing/2010/main">
-                <a:solidFill>
-                  <a:srgbClr val="FFFFFF"/>
-                </a:solidFill>
-              </a14:hiddenFill>
-            </a:ext>
-          </a:extLst>
-        </p:spPr>
-      </p:pic>
+                <a:effectLst>
+                  <a:outerShdw blurRad="38100" dist="19050" dir="2700000" algn="tl" rotWithShape="0">
+                    <a:schemeClr val="dk1">
+                      <a:alpha val="40000"/>
+                    </a:schemeClr>
+                  </a:outerShdw>
+                </a:effectLst>
+              </a:rPr>
+              <a:t>Its corona time</a:t>
+            </a:r>
+            <a:endParaRPr lang="he-IL" sz="5400" b="1" cap="none" spc="0" dirty="0">
+              <a:ln w="0"/>
+              <a:solidFill>
+                <a:schemeClr val="bg1"/>
+              </a:solidFill>
+              <a:effectLst>
+                <a:outerShdw blurRad="38100" dist="19050" dir="2700000" algn="tl" rotWithShape="0">
+                  <a:schemeClr val="dk1">
+                    <a:alpha val="40000"/>
+                  </a:schemeClr>
+                </a:outerShdw>
+              </a:effectLst>
+            </a:endParaRPr>
+          </a:p>
+        </p:txBody>
+      </p:sp>
     </p:spTree>
     <p:extLst>
       <p:ext uri="{BB962C8B-B14F-4D97-AF65-F5344CB8AC3E}">
@@ -3434,13 +3301,13 @@
   <p:clrMapOvr>
     <a:masterClrMapping/>
   </p:clrMapOvr>
-  <mc:AlternateContent xmlns:mc="http://schemas.openxmlformats.org/markup-compatibility/2006">
-    <mc:Choice xmlns:p15="http://schemas.microsoft.com/office/powerpoint/2012/main" Requires="p15">
+  <mc:AlternateContent xmlns:mc="http://schemas.openxmlformats.org/markup-compatibility/2006" xmlns:p15="http://schemas.microsoft.com/office/powerpoint/2012/main">
+    <mc:Choice Requires="p15">
       <p:transition xmlns:p14="http://schemas.microsoft.com/office/powerpoint/2010/main" spd="slow" p14:dur="2000">
         <p15:prstTrans prst="crush"/>
       </p:transition>
     </mc:Choice>
-    <mc:Fallback>
+    <mc:Fallback xmlns="">
       <p:transition spd="slow">
         <p:fade/>
       </p:transition>
@@ -3818,7 +3685,7 @@
         </p:blipFill>
         <p:spPr bwMode="auto">
           <a:xfrm>
-            <a:off x="0" y="-70930"/>
+            <a:off x="0" y="0"/>
             <a:ext cx="12192000" cy="6928930"/>
           </a:xfrm>
           <a:prstGeom prst="rect">
@@ -3844,8 +3711,8 @@
         </p:nvSpPr>
         <p:spPr>
           <a:xfrm>
-            <a:off x="3448050" y="1778000"/>
-            <a:ext cx="6489700" cy="1477328"/>
+            <a:off x="1590674" y="2552518"/>
+            <a:ext cx="9010650" cy="2092881"/>
           </a:xfrm>
           <a:prstGeom prst="rect">
             <a:avLst/>
@@ -3863,15 +3730,15 @@
               <a:buChar char="•"/>
             </a:pPr>
             <a:r>
-              <a:rPr lang="he-IL" dirty="0" smtClean="0"/>
+              <a:rPr lang="he-IL" sz="2800" dirty="0" smtClean="0"/>
               <a:t>בעקבות העלייה בתחלואה כל המסעדות נסגרו ללקוחות לכן ענף </a:t>
             </a:r>
             <a:r>
-              <a:rPr lang="he-IL" dirty="0"/>
+              <a:rPr lang="he-IL" sz="2800" dirty="0"/>
               <a:t>המסעדנות ספג מכה כלכלית קשה בשל אופציות החשיפה </a:t>
             </a:r>
             <a:r>
-              <a:rPr lang="he-IL" dirty="0" smtClean="0"/>
+              <a:rPr lang="he-IL" sz="2800" dirty="0" smtClean="0"/>
               <a:t>הרבות המצויות במסעדות. לכן חיפשנו גורמים שיסיעו לנו בשיפור המצב שמירה על בריאותינו.</a:t>
             </a:r>
           </a:p>
@@ -3888,7 +3755,7 @@
         </p:nvSpPr>
         <p:spPr>
           <a:xfrm>
-            <a:off x="7843267" y="391870"/>
+            <a:off x="4001516" y="535194"/>
             <a:ext cx="4188967" cy="923330"/>
           </a:xfrm>
           <a:prstGeom prst="rect">
@@ -3942,13 +3809,13 @@
   <p:clrMapOvr>
     <a:masterClrMapping/>
   </p:clrMapOvr>
-  <mc:AlternateContent xmlns:mc="http://schemas.openxmlformats.org/markup-compatibility/2006">
-    <mc:Choice xmlns:p14="http://schemas.microsoft.com/office/powerpoint/2010/main" Requires="p14">
+  <mc:AlternateContent xmlns:mc="http://schemas.openxmlformats.org/markup-compatibility/2006" xmlns:p14="http://schemas.microsoft.com/office/powerpoint/2010/main">
+    <mc:Choice Requires="p14">
       <p:transition spd="slow" p14:dur="4400">
         <p14:honeycomb/>
       </p:transition>
     </mc:Choice>
-    <mc:Fallback>
+    <mc:Fallback xmlns="">
       <p:transition spd="slow">
         <p:fade/>
       </p:transition>
@@ -4148,6 +4015,47 @@
           </a:p>
         </p:txBody>
       </p:sp>
+      <p:pic>
+        <p:nvPicPr>
+          <p:cNvPr id="3074" name="Picture 2" descr="Question Moment Sticker by iamsuperbianca for iOS &amp; Android | GIPHY"/>
+          <p:cNvPicPr>
+            <a:picLocks noChangeAspect="1" noChangeArrowheads="1" noCrop="1"/>
+          </p:cNvPicPr>
+          <p:nvPr/>
+        </p:nvPicPr>
+        <p:blipFill>
+          <a:blip r:embed="rId3">
+            <a:extLst>
+              <a:ext uri="{28A0092B-C50C-407E-A947-70E740481C1C}">
+                <a14:useLocalDpi xmlns:a14="http://schemas.microsoft.com/office/drawing/2010/main" val="0"/>
+              </a:ext>
+            </a:extLst>
+          </a:blip>
+          <a:srcRect/>
+          <a:stretch>
+            <a:fillRect/>
+          </a:stretch>
+        </p:blipFill>
+        <p:spPr bwMode="auto">
+          <a:xfrm>
+            <a:off x="5014912" y="2730648"/>
+            <a:ext cx="2162175" cy="2162175"/>
+          </a:xfrm>
+          <a:prstGeom prst="rect">
+            <a:avLst/>
+          </a:prstGeom>
+          <a:noFill/>
+          <a:extLst>
+            <a:ext uri="{909E8E84-426E-40DD-AFC4-6F175D3DCCD1}">
+              <a14:hiddenFill xmlns:a14="http://schemas.microsoft.com/office/drawing/2010/main">
+                <a:solidFill>
+                  <a:srgbClr val="FFFFFF"/>
+                </a:solidFill>
+              </a14:hiddenFill>
+            </a:ext>
+          </a:extLst>
+        </p:spPr>
+      </p:pic>
     </p:spTree>
     <p:extLst>
       <p:ext uri="{BB962C8B-B14F-4D97-AF65-F5344CB8AC3E}">
@@ -4158,13 +4066,13 @@
   <p:clrMapOvr>
     <a:masterClrMapping/>
   </p:clrMapOvr>
-  <mc:AlternateContent xmlns:mc="http://schemas.openxmlformats.org/markup-compatibility/2006">
-    <mc:Choice xmlns:p14="http://schemas.microsoft.com/office/powerpoint/2010/main" Requires="p14">
+  <mc:AlternateContent xmlns:mc="http://schemas.openxmlformats.org/markup-compatibility/2006" xmlns:p14="http://schemas.microsoft.com/office/powerpoint/2010/main">
+    <mc:Choice Requires="p14">
       <p:transition spd="slow" p14:dur="1200">
         <p14:prism dir="r"/>
       </p:transition>
     </mc:Choice>
-    <mc:Fallback>
+    <mc:Fallback xmlns="">
       <p:transition spd="slow">
         <p:fade/>
       </p:transition>
@@ -4290,7 +4198,7 @@
                             </p:stCondLst>
                             <p:childTnLst>
                               <p:par>
-                                <p:cTn id="12" presetID="42" presetClass="entr" presetSubtype="0" fill="hold" grpId="0" nodeType="clickEffect">
+                                <p:cTn id="12" presetID="45" presetClass="entr" presetSubtype="0" fill="hold" nodeType="clickEffect">
                                   <p:stCondLst>
                                     <p:cond delay="0"/>
                                   </p:stCondLst>
@@ -4298,6 +4206,105 @@
                                     <p:set>
                                       <p:cBhvr>
                                         <p:cTn id="13" dur="1" fill="hold">
+                                          <p:stCondLst>
+                                            <p:cond delay="0"/>
+                                          </p:stCondLst>
+                                        </p:cTn>
+                                        <p:tgtEl>
+                                          <p:spTgt spid="3074"/>
+                                        </p:tgtEl>
+                                        <p:attrNameLst>
+                                          <p:attrName>style.visibility</p:attrName>
+                                        </p:attrNameLst>
+                                      </p:cBhvr>
+                                      <p:to>
+                                        <p:strVal val="visible"/>
+                                      </p:to>
+                                    </p:set>
+                                    <p:animEffect transition="in" filter="fade">
+                                      <p:cBhvr>
+                                        <p:cTn id="14" dur="2000"/>
+                                        <p:tgtEl>
+                                          <p:spTgt spid="3074"/>
+                                        </p:tgtEl>
+                                      </p:cBhvr>
+                                    </p:animEffect>
+                                    <p:anim calcmode="lin" valueType="num">
+                                      <p:cBhvr>
+                                        <p:cTn id="15" dur="2000" fill="hold"/>
+                                        <p:tgtEl>
+                                          <p:spTgt spid="3074"/>
+                                        </p:tgtEl>
+                                        <p:attrNameLst>
+                                          <p:attrName>ppt_w</p:attrName>
+                                        </p:attrNameLst>
+                                      </p:cBhvr>
+                                      <p:tavLst>
+                                        <p:tav tm="0" fmla="#ppt_w*sin(2.5*pi*$)">
+                                          <p:val>
+                                            <p:fltVal val="0"/>
+                                          </p:val>
+                                        </p:tav>
+                                        <p:tav tm="100000">
+                                          <p:val>
+                                            <p:fltVal val="1"/>
+                                          </p:val>
+                                        </p:tav>
+                                      </p:tavLst>
+                                    </p:anim>
+                                    <p:anim calcmode="lin" valueType="num">
+                                      <p:cBhvr>
+                                        <p:cTn id="16" dur="2000" fill="hold"/>
+                                        <p:tgtEl>
+                                          <p:spTgt spid="3074"/>
+                                        </p:tgtEl>
+                                        <p:attrNameLst>
+                                          <p:attrName>ppt_h</p:attrName>
+                                        </p:attrNameLst>
+                                      </p:cBhvr>
+                                      <p:tavLst>
+                                        <p:tav tm="0">
+                                          <p:val>
+                                            <p:strVal val="#ppt_h"/>
+                                          </p:val>
+                                        </p:tav>
+                                        <p:tav tm="100000">
+                                          <p:val>
+                                            <p:strVal val="#ppt_h"/>
+                                          </p:val>
+                                        </p:tav>
+                                      </p:tavLst>
+                                    </p:anim>
+                                  </p:childTnLst>
+                                </p:cTn>
+                              </p:par>
+                            </p:childTnLst>
+                          </p:cTn>
+                        </p:par>
+                      </p:childTnLst>
+                    </p:cTn>
+                  </p:par>
+                  <p:par>
+                    <p:cTn id="17" fill="hold">
+                      <p:stCondLst>
+                        <p:cond delay="indefinite"/>
+                      </p:stCondLst>
+                      <p:childTnLst>
+                        <p:par>
+                          <p:cTn id="18" fill="hold">
+                            <p:stCondLst>
+                              <p:cond delay="0"/>
+                            </p:stCondLst>
+                            <p:childTnLst>
+                              <p:par>
+                                <p:cTn id="19" presetID="2" presetClass="entr" presetSubtype="4" fill="hold" grpId="0" nodeType="clickEffect">
+                                  <p:stCondLst>
+                                    <p:cond delay="0"/>
+                                  </p:stCondLst>
+                                  <p:childTnLst>
+                                    <p:set>
+                                      <p:cBhvr>
+                                        <p:cTn id="20" dur="1" fill="hold">
                                           <p:stCondLst>
                                             <p:cond delay="0"/>
                                           </p:stCondLst>
@@ -4313,17 +4320,9 @@
                                         <p:strVal val="visible"/>
                                       </p:to>
                                     </p:set>
-                                    <p:animEffect transition="in" filter="fade">
-                                      <p:cBhvr>
-                                        <p:cTn id="14" dur="1000"/>
-                                        <p:tgtEl>
-                                          <p:spTgt spid="5"/>
-                                        </p:tgtEl>
-                                      </p:cBhvr>
-                                    </p:animEffect>
                                     <p:anim calcmode="lin" valueType="num">
-                                      <p:cBhvr>
-                                        <p:cTn id="15" dur="1000" fill="hold"/>
+                                      <p:cBhvr additive="base">
+                                        <p:cTn id="21" dur="500" fill="hold"/>
                                         <p:tgtEl>
                                           <p:spTgt spid="5"/>
                                         </p:tgtEl>
@@ -4345,8 +4344,8 @@
                                       </p:tavLst>
                                     </p:anim>
                                     <p:anim calcmode="lin" valueType="num">
-                                      <p:cBhvr>
-                                        <p:cTn id="16" dur="1000" fill="hold"/>
+                                      <p:cBhvr additive="base">
+                                        <p:cTn id="22" dur="500" fill="hold"/>
                                         <p:tgtEl>
                                           <p:spTgt spid="5"/>
                                         </p:tgtEl>
@@ -4357,7 +4356,7 @@
                                       <p:tavLst>
                                         <p:tav tm="0">
                                           <p:val>
-                                            <p:strVal val="#ppt_y+.1"/>
+                                            <p:strVal val="1+#ppt_h/2"/>
                                           </p:val>
                                         </p:tav>
                                         <p:tav tm="100000">

--- a/מסעדה בקורונה (1).pptx
+++ b/מסעדה בקורונה (1).pptx
@@ -115,6 +115,32 @@
 </p:presentation>
 </file>
 
+<file path=ppt/commentAuthors.xml><?xml version="1.0" encoding="utf-8"?>
+<p:cmAuthorLst xmlns:a="http://schemas.openxmlformats.org/drawingml/2006/main" xmlns:r="http://schemas.openxmlformats.org/officeDocument/2006/relationships" xmlns:p="http://schemas.openxmlformats.org/presentationml/2006/main">
+  <p:cmAuthor id="1" name="‏‏משתמש Windows" initials="‏W" lastIdx="1" clrIdx="0">
+    <p:extLst>
+      <p:ext uri="{19B8F6BF-5375-455C-9EA6-DF929625EA0E}">
+        <p15:presenceInfo xmlns:p15="http://schemas.microsoft.com/office/powerpoint/2012/main" userId="‏‏משתמש Windows" providerId="None"/>
+      </p:ext>
+    </p:extLst>
+  </p:cmAuthor>
+</p:cmAuthorLst>
+</file>
+
+<file path=ppt/comments/comment1.xml><?xml version="1.0" encoding="utf-8"?>
+<p:cmLst xmlns:a="http://schemas.openxmlformats.org/drawingml/2006/main" xmlns:r="http://schemas.openxmlformats.org/officeDocument/2006/relationships" xmlns:p="http://schemas.openxmlformats.org/presentationml/2006/main">
+  <p:cm authorId="1" dt="2020-08-26T13:37:08.501" idx="1">
+    <p:pos x="5808" y="1360"/>
+    <p:text>בעקבות העלייה בתחלואה כל המסעדות נסגרו ללקוחות לכן ענף המסעדנות ספג מכה כלכלית קשה בשל אופציות החשיפה הרבות המצויות במסעדות. לכן חיפשנו גורמים שיסיעו לנו בשיפור המצב שמירה על בריאותינו.</p:text>
+    <p:extLst>
+      <p:ext uri="{C676402C-5697-4E1C-873F-D02D1690AC5C}">
+        <p15:threadingInfo xmlns:p15="http://schemas.microsoft.com/office/powerpoint/2012/main" timeZoneBias="-180"/>
+      </p:ext>
+    </p:extLst>
+  </p:cm>
+</p:cmLst>
+</file>
+
 <file path=ppt/slideLayouts/slideLayout1.xml><?xml version="1.0" encoding="utf-8"?>
 <p:sldLayout xmlns:a="http://schemas.openxmlformats.org/drawingml/2006/main" xmlns:r="http://schemas.openxmlformats.org/officeDocument/2006/relationships" xmlns:p="http://schemas.openxmlformats.org/presentationml/2006/main" type="title" preserve="1">
   <p:cSld name="שקופית כותרת">
@@ -246,7 +272,7 @@
           <a:p>
             <a:fld id="{17C7AF2C-C19C-4611-99EA-66DBB5E647D4}" type="datetimeFigureOut">
               <a:rPr lang="he-IL" smtClean="0"/>
-              <a:t>ה'/אלול/תש"פ</a:t>
+              <a:t>ו'/אלול/תש"פ</a:t>
             </a:fld>
             <a:endParaRPr lang="he-IL"/>
           </a:p>
@@ -416,7 +442,7 @@
           <a:p>
             <a:fld id="{17C7AF2C-C19C-4611-99EA-66DBB5E647D4}" type="datetimeFigureOut">
               <a:rPr lang="he-IL" smtClean="0"/>
-              <a:t>ה'/אלול/תש"פ</a:t>
+              <a:t>ו'/אלול/תש"פ</a:t>
             </a:fld>
             <a:endParaRPr lang="he-IL"/>
           </a:p>
@@ -596,7 +622,7 @@
           <a:p>
             <a:fld id="{17C7AF2C-C19C-4611-99EA-66DBB5E647D4}" type="datetimeFigureOut">
               <a:rPr lang="he-IL" smtClean="0"/>
-              <a:t>ה'/אלול/תש"פ</a:t>
+              <a:t>ו'/אלול/תש"פ</a:t>
             </a:fld>
             <a:endParaRPr lang="he-IL"/>
           </a:p>
@@ -766,7 +792,7 @@
           <a:p>
             <a:fld id="{17C7AF2C-C19C-4611-99EA-66DBB5E647D4}" type="datetimeFigureOut">
               <a:rPr lang="he-IL" smtClean="0"/>
-              <a:t>ה'/אלול/תש"פ</a:t>
+              <a:t>ו'/אלול/תש"פ</a:t>
             </a:fld>
             <a:endParaRPr lang="he-IL"/>
           </a:p>
@@ -1012,7 +1038,7 @@
           <a:p>
             <a:fld id="{17C7AF2C-C19C-4611-99EA-66DBB5E647D4}" type="datetimeFigureOut">
               <a:rPr lang="he-IL" smtClean="0"/>
-              <a:t>ה'/אלול/תש"פ</a:t>
+              <a:t>ו'/אלול/תש"פ</a:t>
             </a:fld>
             <a:endParaRPr lang="he-IL"/>
           </a:p>
@@ -1244,7 +1270,7 @@
           <a:p>
             <a:fld id="{17C7AF2C-C19C-4611-99EA-66DBB5E647D4}" type="datetimeFigureOut">
               <a:rPr lang="he-IL" smtClean="0"/>
-              <a:t>ה'/אלול/תש"פ</a:t>
+              <a:t>ו'/אלול/תש"פ</a:t>
             </a:fld>
             <a:endParaRPr lang="he-IL"/>
           </a:p>
@@ -1611,7 +1637,7 @@
           <a:p>
             <a:fld id="{17C7AF2C-C19C-4611-99EA-66DBB5E647D4}" type="datetimeFigureOut">
               <a:rPr lang="he-IL" smtClean="0"/>
-              <a:t>ה'/אלול/תש"פ</a:t>
+              <a:t>ו'/אלול/תש"פ</a:t>
             </a:fld>
             <a:endParaRPr lang="he-IL"/>
           </a:p>
@@ -1729,7 +1755,7 @@
           <a:p>
             <a:fld id="{17C7AF2C-C19C-4611-99EA-66DBB5E647D4}" type="datetimeFigureOut">
               <a:rPr lang="he-IL" smtClean="0"/>
-              <a:t>ה'/אלול/תש"פ</a:t>
+              <a:t>ו'/אלול/תש"פ</a:t>
             </a:fld>
             <a:endParaRPr lang="he-IL"/>
           </a:p>
@@ -1824,7 +1850,7 @@
           <a:p>
             <a:fld id="{17C7AF2C-C19C-4611-99EA-66DBB5E647D4}" type="datetimeFigureOut">
               <a:rPr lang="he-IL" smtClean="0"/>
-              <a:t>ה'/אלול/תש"פ</a:t>
+              <a:t>ו'/אלול/תש"פ</a:t>
             </a:fld>
             <a:endParaRPr lang="he-IL"/>
           </a:p>
@@ -2101,7 +2127,7 @@
           <a:p>
             <a:fld id="{17C7AF2C-C19C-4611-99EA-66DBB5E647D4}" type="datetimeFigureOut">
               <a:rPr lang="he-IL" smtClean="0"/>
-              <a:t>ה'/אלול/תש"פ</a:t>
+              <a:t>ו'/אלול/תש"פ</a:t>
             </a:fld>
             <a:endParaRPr lang="he-IL"/>
           </a:p>
@@ -2354,7 +2380,7 @@
           <a:p>
             <a:fld id="{17C7AF2C-C19C-4611-99EA-66DBB5E647D4}" type="datetimeFigureOut">
               <a:rPr lang="he-IL" smtClean="0"/>
-              <a:t>ה'/אלול/תש"פ</a:t>
+              <a:t>ו'/אלול/תש"פ</a:t>
             </a:fld>
             <a:endParaRPr lang="he-IL"/>
           </a:p>
@@ -2567,7 +2593,7 @@
           <a:p>
             <a:fld id="{17C7AF2C-C19C-4611-99EA-66DBB5E647D4}" type="datetimeFigureOut">
               <a:rPr lang="he-IL" smtClean="0"/>
-              <a:t>ה'/אלול/תש"פ</a:t>
+              <a:t>ו'/אלול/תש"פ</a:t>
             </a:fld>
             <a:endParaRPr lang="he-IL"/>
           </a:p>
@@ -2996,7 +3022,7 @@
         <p:spPr bwMode="auto">
           <a:xfrm>
             <a:off x="0" y="0"/>
-            <a:ext cx="12192000" cy="6858000"/>
+            <a:ext cx="12192000" cy="6865937"/>
           </a:xfrm>
           <a:prstGeom prst="rect">
             <a:avLst/>
@@ -3013,56 +3039,121 @@
           </a:extLst>
         </p:spPr>
       </p:pic>
-      <p:sp>
-        <p:nvSpPr>
-          <p:cNvPr id="4" name="מלבן 3"/>
-          <p:cNvSpPr/>
+      <p:pic>
+        <p:nvPicPr>
+          <p:cNvPr id="2" name="תמונה 1"/>
+          <p:cNvPicPr>
+            <a:picLocks noChangeAspect="1"/>
+          </p:cNvPicPr>
           <p:nvPr/>
-        </p:nvSpPr>
+        </p:nvPicPr>
+        <p:blipFill>
+          <a:blip r:embed="rId3">
+            <a:duotone>
+              <a:prstClr val="black"/>
+              <a:schemeClr val="tx1">
+                <a:tint val="45000"/>
+                <a:satMod val="400000"/>
+              </a:schemeClr>
+            </a:duotone>
+            <a:extLst>
+              <a:ext uri="{BEBA8EAE-BF5A-486C-A8C5-ECC9F3942E4B}">
+                <a14:imgProps xmlns:a14="http://schemas.microsoft.com/office/drawing/2010/main">
+                  <a14:imgLayer r:embed="rId4">
+                    <a14:imgEffect>
+                      <a14:backgroundRemoval t="0" b="100000" l="281" r="98876">
+                        <a14:foregroundMark x1="54213" y1="45614" x2="54213" y2="45614"/>
+                        <a14:foregroundMark x1="48596" y1="33333" x2="48596" y2="33333"/>
+                        <a14:foregroundMark x1="43258" y1="36842" x2="43258" y2="36842"/>
+                        <a14:foregroundMark x1="33146" y1="42105" x2="33146" y2="42105"/>
+                        <a14:foregroundMark x1="18539" y1="35965" x2="18539" y2="35965"/>
+                        <a14:foregroundMark x1="14326" y1="32456" x2="14326" y2="32456"/>
+                        <a14:foregroundMark x1="22753" y1="60526" x2="22753" y2="60526"/>
+                        <a14:foregroundMark x1="27528" y1="67544" x2="27528" y2="67544"/>
+                        <a14:foregroundMark x1="29494" y1="67544" x2="29494" y2="67544"/>
+                        <a14:foregroundMark x1="34551" y1="61404" x2="34551" y2="61404"/>
+                        <a14:foregroundMark x1="37921" y1="63158" x2="37921" y2="63158"/>
+                        <a14:foregroundMark x1="40449" y1="64035" x2="40449" y2="64035"/>
+                        <a14:foregroundMark x1="42697" y1="64912" x2="42697" y2="64912"/>
+                        <a14:foregroundMark x1="46067" y1="64912" x2="46067" y2="64912"/>
+                        <a14:foregroundMark x1="44382" y1="69298" x2="44382" y2="69298"/>
+                        <a14:foregroundMark x1="44382" y1="64912" x2="44382" y2="64912"/>
+                        <a14:foregroundMark x1="43820" y1="64912" x2="43820" y2="64912"/>
+                        <a14:foregroundMark x1="26124" y1="70175" x2="26124" y2="70175"/>
+                        <a14:foregroundMark x1="25843" y1="67544" x2="25843" y2="67544"/>
+                        <a14:foregroundMark x1="26124" y1="66667" x2="26124" y2="66667"/>
+                        <a14:foregroundMark x1="26685" y1="66667" x2="26685" y2="66667"/>
+                        <a14:foregroundMark x1="34270" y1="69298" x2="34270" y2="69298"/>
+                        <a14:foregroundMark x1="38764" y1="70175" x2="38764" y2="70175"/>
+                        <a14:foregroundMark x1="37360" y1="69298" x2="37360" y2="69298"/>
+                        <a14:foregroundMark x1="38202" y1="65789" x2="38202" y2="65789"/>
+                        <a14:backgroundMark x1="56461" y1="26316" x2="56461" y2="26316"/>
+                        <a14:backgroundMark x1="30618" y1="27193" x2="30618" y2="27193"/>
+                        <a14:backgroundMark x1="26685" y1="64912" x2="26685" y2="64912"/>
+                        <a14:backgroundMark x1="35112" y1="60526" x2="35112" y2="60526"/>
+                        <a14:backgroundMark x1="43820" y1="67544" x2="43820" y2="67544"/>
+                        <a14:backgroundMark x1="43820" y1="64035" x2="43820" y2="64035"/>
+                        <a14:backgroundMark x1="26685" y1="68421" x2="26685" y2="68421"/>
+                        <a14:backgroundMark x1="38202" y1="68421" x2="38202" y2="68421"/>
+                        <a14:backgroundMark x1="38202" y1="64912" x2="38202" y2="64912"/>
+                        <a14:backgroundMark x1="34831" y1="68421" x2="34831" y2="68421"/>
+                      </a14:backgroundRemoval>
+                    </a14:imgEffect>
+                  </a14:imgLayer>
+                </a14:imgProps>
+              </a:ext>
+            </a:extLst>
+          </a:blip>
+          <a:stretch>
+            <a:fillRect/>
+          </a:stretch>
+        </p:blipFill>
         <p:spPr>
           <a:xfrm>
-            <a:off x="3860800" y="2705725"/>
-            <a:ext cx="5118100" cy="1446550"/>
+            <a:off x="4016716" y="2732328"/>
+            <a:ext cx="4835184" cy="1548345"/>
+          </a:xfrm>
+          <a:prstGeom prst="rect">
+            <a:avLst/>
+          </a:prstGeom>
+        </p:spPr>
+      </p:pic>
+      <p:sp>
+        <p:nvSpPr>
+          <p:cNvPr id="6" name="AutoShape 2" descr="data:image/png;base64,iVBORw0KGgoAAAANSUhEUgAAAtQAAAJDCAYAAAArToMLAAAgAElEQVR4Xu3WoREAAAjEMNh/aXagNvg3OUR3HAECBAgQIECAAAECb4F9Lw0JECBAgAABAgQIEBhB7QkIECBAgAABAgQIBAFBHfBMCRAgQIAAAQIECAhqP0CAAAECBAgQIEAgCAjqgGdKgAABAgQIECBAQFD7AQIECBAgQIAAAQJBQFAHPFMCBAgQIECAAAECgtoPECBAgAABAgQIEAgCgjrgmRIgQIAAAQIECBAQ1H6AAAECBAgQIECAQBAQ1AHPlAABAgQIECBAgICg9gMECBAgQIAAAQIEgoCgDnimBAgQIECAAAECBAS1HyBAgAABAgQIECAQBAR1wDMlQIAAAQIECBAgIKj9AAECBAgQIECAAIEgIKgDnikBAgQIECBAgAABQe0HCBAgQIAAAQIECAQBQR3wTAkQIECAAAECBAgIaj9AgAABAgQIECBAIAgI6oBnSoAAAQIECBAgQEBQ+wECBAgQIECAAAECQUBQBzxTAgQIECBAgAABAoLaDxAgQIAAAQIECBAIAoI64JkSIECAAAECBAgQENR+gAABAgQIECBAgEAQENQBz5QAAQIECBAgQICAoPYDBAgQIECAAAECBIKAoA54pgQIECBAgAABAgQEtR8gQIAAAQIECBAgEAQEdcAzJUCAAAECBAgQICCo/QABAgQIECBAgACBICCoA54pAQIECBAgQIAAAUHtBwgQIECAAAECBAgEAUEd8EwJECBAgAABAgQICGo/QIAAAQIECBAgQCAICOqAZ0qAAAECBAgQIEBAUPsBAgQIECBAgAABAkFAUAc8UwIECBAgQIAAAQKC2g8QIECAAAECBAgQCAKCOuCZEiBAgAABAgQIEBDUfoAAAQIECBAgQIBAEBDUAc+UAAECBAgQIECAgKD2AwQIECBAgAABAgSCgKAOeKYECBAgQIAAAQIEBLUfIECAAAECBAgQIBAEBHXAMyVAgAABAgQIECAgqP0AAQIECBAgQIAAgSAgqAOeKQECBAgQIECAAAFB7QcIECBAgAABAgQIBAFBHfBMCRAgQIAAAQIECAhqP0CAAAECBAgQIEAgCAjqgGdKgAABAgQIECBAQFD7AQIECBAgQIAAAQJBQFAHPFMCBAgQIECAAAECgtoPECBAgAABAgQIEAgCgjrgmRIgQIAAAQIECBAQ1H6AAAECBAgQIECAQBAQ1AHPlAABAgQIECBAgICg9gMECBAgQIAAAQIEgoCgDnimBAgQIECAAAECBAS1HyBAgAABAgQIECAQBAR1wDMlQIAAAQIECBAgIKj9AAECBAgQIECAAIEgIKgDnikBAgQIECBAgAABQe0HCBAgQIAAAQIECAQBQR3wTAkQIECAAAECBAgIaj9AgAABAgQIECBAIAgI6oBnSoAAAQIECBAgQEBQ+wECBAgQIECAAAECQUBQBzxTAgQIECBAgAABAoLaDxAgQIAAAQIECBAIAoI64JkSIECAAAECBAgQENR+gAABAgQIECBAgEAQENQBz5QAAQIECBAgQICAoPYDBAgQIECAAAECBIKAoA54pgQIECBAgAABAgQEtR8gQIAAAQIECBAgEAQEdcAzJUCAAAECBAgQICCo/QABAgQIECBAgACBICCoA54pAQIECBAgQIAAAUHtBwgQIECAAAECBAgEAUEd8EwJECBAgAABAgQICGo/QIAAAQIECBAgQCAICOqAZ0qAAAECBAgQIEBAUPsBAgQIECBAgAABAkFAUAc8UwIECBAgQIAAAQKC2g8QIECAAAECBAgQCAKCOuCZEiBAgAABAgQIEBDUfoAAAQIECBAgQIBAEBDUAc+UAAECBAgQIECAgKD2AwQIECBAgAABAgSCgKAOeKYECBAgQIAAAQIEBLUfIECAAAECBAgQIBAEBHXAMyVAgAABAgQIECAgqP0AAQIECBAgQIAAgSAgqAOeKQECBAgQIECAAAFB7QcIECBAgAABAgQIBAFBHfBMCRAgQIAAAQIECAhqP0CAAAECBAgQIEAgCAjqgGdKgAABAgQIECBAQFD7AQIECBAgQIAAAQJBQFAHPFMCBAgQIECAAAECgtoPECBAgAABAgQIEAgCgjrgmRIgQIAAAQIECBAQ1H6AAAECBAgQIECAQBAQ1AHPlAABAgQIECBAgICg9gMECBAgQIAAAQIEgoCgDnimBAgQIECAAAECBAS1HyBAgAABAgQIECAQBAR1wDMlQIAAAQIECBAgIKj9AAECBAgQIECAAIEgIKgDnikBAgQIECBAgAABQe0HCBAgQIAAAQIECAQBQR3wTAkQIECAAAECBAgIaj9AgAABAgQIECBAIAgI6oBnSoAAAQIECBAgQEBQ+wECBAgQIECAAAECQUBQBzxTAgQIECBAgAABAoLaDxAgQIAAAQIECBAIAoI64JkSIECAAAECBAgQENR+gAABAgQIECBAgEAQENQBz5QAAQIECBAgQICAoPYDBAgQIECAAAECBIKAoA54pgQIECBAgAABAgQEtR8gQIAAAQIECBAgEAQEdcAzJUCAAAECBAgQICCo/QABAgQIECBAgACBICCoA54pAQIECBAgQIAAAUHtBwgQIECAAAECBAgEAUEd8EwJECBAgAABAgQICGo/QIAAAQIECBAgQCAICOqAZ0qAAAECBAgQIEBAUPsBAgQIECBAgAABAkFAUAc8UwIECBAgQIAAAQKC2g8QIECAAAECBAgQCAKCOuCZEiBAgAABAgQIEBDUfoAAAQIECBAgQIBAEBDUAc+UAAECBAgQIECAgKD2AwQIECBAgAABAgSCgKAOeKYECBAgQIAAAQIEBLUfIECAAAECBAgQIBAEBHXAMyVAgAABAgQIECAgqP0AAQIECBAgQIAAgSAgqAOeKQECBAgQIECAAAFB7QcIECBAgAABAgQIBAFBHfBMCRAgQIAAAQIECAhqP0CAAAECBAgQIEAgCAjqgGdKgAABAgQIECBAQFD7AQIECBAgQIAAAQJBQFAHPFMCBAgQIECAAAECgtoPECBAgAABAgQIEAgCgjrgmRIgQIAAAQIECBAQ1H6AAAECBAgQIECAQBAQ1AHPlAABAgQIECBAgICg9gMECBAgQIAAAQIEgoCgDnimBAgQIECAAAECBAS1HyBAgAABAgQIECAQBAR1wDMlQIAAAQIECBAgIKj9AAECBAgQIECAAIEgIKgDnikBAgQIECBAgAABQe0HCBAgQIAAAQIECAQBQR3wTAkQIECAAAECBAgIaj9AgAABAgQIECBAIAgI6oBnSoAAAQIECBAgQEBQ+wECBAgQIECAAAECQUBQBzxTAgQIECBAgAABAoLaDxAgQIAAAQIECBAIAoI64JkSIECAAAECBAgQENR+gAABAgQIECBAgEAQENQBz5QAAQIECBAgQICAoPYDBAgQIECAAAECBIKAoA54pgQIECBAgAABAgQEtR8gQIAAAQIECBAgEAQEdcAzJUCAAAECBAgQICCo/QABAgQIECBAgACBICCoA54pAQIECBAgQIAAAUHtBwgQIECAAAECBAgEAUEd8EwJECBAgAABAgQICGo/QIAAAQIECBAgQCAICOqAZ0qAAAECBAgQIEBAUPsBAgQIECBAgAABAkFAUAc8UwIECBAgQIAAAQKC2g8QIECAAAECBAgQCAKCOuCZEiBAgAABAgQIEBDUfoAAAQIECBAgQIBAEBDUAc+UAAECBAgQIECAgKD2AwQIECBAgAABAgSCgKAOeKYECBAgQIAAAQIEBLUfIECAAAECBAgQIBAEBHXAMyVAgAABAgQIECAgqP0AAQIECBAgQIAAgSAgqAOeKQECBAgQIECAAAFB7QcIECBAgAABAgQIBAFBHfBMCRAgQIAAAQIECAhqP0CAAAECBAgQIEAgCAjqgGdKgAABAgQIECBAQFD7AQIECBAgQIAAAQJBQFAHPFMCBAgQIECAAAECgtoPECBAgAABAgQIEAgCgjrgmRIgQIAAAQIECBAQ1H6AAAECBAgQIECAQBAQ1AHPlAABAgQIECBAgICg9gMECBAgQIAAAQIEgoCgDnimBAgQIECAAAECBAS1HyBAgAABAgQIECAQBAR1wDMlQIAAAQIECBAgIKj9AAECBAgQIECAAIEgIKgDnikBAgQIECBAgAABQe0HCBAgQIAAAQIECAQBQR3wTAkQIECAAAECBAgIaj9AgAABAgQIECBAIAgI6oBnSoAAAQIECBAgQEBQ+wECBAgQIECAAAECQUBQBzxTAgQIECBAgAABAoLaDxAgQIAAAQIECBAIAoI64JkSIECAAAECBAgQENR+gAABAgQIECBAgEAQENQBz5QAAQIECBAgQICAoPYDBAgQIECAAAECBIKAoA54pgQIECBAgAABAgQEtR8gQIAAAQIECBAgEAQEdcAzJUCAAAECBAgQICCo/QABAgQIECBAgACBICCoA54pAQIECBAgQIAAAUHtBwgQIECAAAECBAgEAUEd8EwJECBAgAABAgQICGo/QIAAAQIECBAgQCAICOqAZ0qAAAECBAgQIEBAUPsBAgQIECBAgAABAkFAUAc8UwIECBAgQIAAAQKC2g8QIECAAAECBAgQCAKCOuCZEiBAgAABAgQIEBDUfoAAAQIECBAgQIBAEBDUAc+UAAECBAgQIECAgKD2AwQIECBAgAABAgSCgKAOeKYECBAgQIAAAQIEBLUfIECAAAECBAgQIBAEBHXAMyVAgAABAgQIECAgqP0AAQIECBAgQIAAgSAgqAOeKQECBAgQIECAAAFB7QcIECBAgAABAgQIBAFBHfBMCRAgQIAAAQIECAhqP0CAAAECBAgQIEAgCAjqgGdKgAABAgQIECBAQFD7AQIECBAgQIAAAQJBQFAHPFMCBAgQIECAAAECgtoPECBAgAABAgQIEAgCgjrgmRIgQIAAAQIECBAQ1H6AAAECBAgQIECAQBAQ1AHPlAABAgQIECBAgICg9gMECBAgQIAAAQIEgoCgDnimBAgQIECAAAECBAS1HyBAgAABAgQIECAQBAR1wDMlQIAAAQIECBAgIKj9AAECBAgQIECAAIEgIKgDnikBAgQIECBAgAABQe0HCBAgQIAAAQIECAQBQR3wTAkQIECAAAECBAgIaj9AgAABAgQIECBAIAgI6oBnSoAAAQIECBAgQEBQ+wECBAgQIECAAAECQUBQBzxTAgQIECBAgAABAoLaDxAgQIAAAQIECBAIAoI64JkSIECAAAECBAgQENR+gAABAgQIECBAgEAQENQBz5QAAQIECBAgQICAoPYDBAgQIECAAAECBIKAoA54pgQIECBAgAABAgQEtR8gQIAAAQIECBAgEAQEdcAzJUCAAAECBAgQICCo/QABAgQIECBAgACBICCoA54pAQIECBAgQIAAAUHtBwgQIECAAAECBAgEAUEd8EwJECBAgAABAgQICGo/QIAAAQIECBAgQCAICOqAZ0qAAAECBAgQIEBAUPsBAgQIECBAgAABAkFAUAc8UwIECBAgQIAAAQKC2g8QIECAAAECBAgQCAKCOuCZEiBAgAABAgQIEBDUfoAAAQIECBAgQIBAEBDUAc+UAAECBAgQIECAgKD2AwQIECBAgAABAgSCgKAOeKYECBAgQIAAAQIEBLUfIECAAAECBAgQIBAEBHXAMyVAgAABAgQIECAgqP0AAQIECBAgQIAAgSAgqAOeKQECBAgQIECAAAFB7QcIECBAgAABAgQIBAFBHfBMCRAgQIAAAQIECAhqP0CAAAECBAgQIEAgCAjqgGdKgAABAgQIECBAQFD7AQIECBAgQIAAAQJBQFAHPFMCBAgQIECAAAECgtoPECBAgAABAgQIEAgCgjrgmRIgQIAAAQIECBAQ1H6AAAECBAgQIECAQBAQ1AHPlAABAgQIECBAgICg9gMECBAgQIAAAQIEgoCgDnimBAgQIECAAAECBAS1HyBAgAABAgQIECAQBAR1wDMlQIAAAQIECBAgIKj9AAECBAgQIECAAIEgIKgDnikBAgQIECBAgAABQe0HCBAgQIAAAQIECAQBQR3wTAkQIECAAAECBAgIaj9AgAABAgQIECBAIAgI6oBnSoAAAQIECBAgQEBQ+wECBAgQIECAAAECQUBQBzxTAgQIECBAgAABAoLaDxAgQIAAAQIECBAIAoI64JkSIECAAAECBAgQENR+gAABAgQIECBAgEAQENQBz5QAAQIECBAgQICAoPYDBAgQIECAAAECBIKAoA54pgQIECBAgAABAgQEtR8gQIAAAQIECBAgEAQEdcAzJUCAAAECBAgQICCo/QABAgQIECBAgACBICCoA54pAQIECBAgQIAAAUHtBwgQIECAAAECBAgEAUEd8EwJECBAgAABAgQICGo/QIAAAQIECBAgQCAICOqAZ0qAAAECBAgQIEBAUPsBAgQIECBAgAABAkFAUAc8UwIECBAgQIAAAQKC2g8QIECAAAECBAgQCAKCOuCZEiBAgAABAgQIEBDUfoAAAQIECBAgQIBAEBDUAc+UAAECBAgQIECAgKD2AwQIECBAgAABAgSCgKAOeKYECBAgQIAAAQIEBLUfIECAAAECBAgQIBAEBHXAMyVAgAABAgQIECAgqP0AAQIECBAgQIAAgSAgqAOeKQECBAgQIECAAAFB7QcIECBAgAABAgQIBAFBHfBMCRAgQIAAAQIECAhqP0CAAAECBAgQIEAgCAjqgGdKgAABAgQIECBAQFD7AQIECBAgQIAAAQJBQFAHPFMCBAgQIECAAAECgtoPECBAgAABAgQIEAgCgjrgmRIgQIAAAQIECBAQ1H6AAAECBAgQIECAQBAQ1AHPlAABAgQIECBAgICg9gMECBAgQIAAAQIEgoCgDnimBAgQIECAAAECBAS1HyBAgAABAgQIECAQBAR1wDMlQIAAAQIECBAgIKj9AAECBAgQIECAAIEgIKgDnikBAgQIECBAgAABQe0HCBAgQIAAAQIECAQBQR3wTAkQIECAAAECBAgIaj9AgAABAgQIECBAIAgI6oBnSoAAAQIECBAgQEBQ+wECBAgQIECAAAECQUBQBzxTAgQIECBAgAABAoLaDxAgQIAAAQIECBAIAoI64JkSIECAAAECBAgQENR+gAABAgQIECBAgEAQENQBz5QAAQIECBAgQICAoPYDBAgQIECAAAECBIKAoA54pgQIECBAgAABAgQEtR8gQIAAAQIECBAgEAQEdcAzJUCAAAECBAgQICCo/QABAgQIECBAgACBICCoA54pAQIECBAgQIAAAUHtBwgQIECAAAECBAgEAUEd8EwJECBAgAABAgQICGo/QIAAAQIECBAgQCAICOqAZ0qAAAECBAgQIEBAUPsBAgQIECBAgAABAkFAUAc8UwIECBAgQIAAAQKC2g8QIECAAAECBAgQCAKCOuCZEiBAgAABAgQIEBDUfoAAAQIECBAgQIBAEBDUAc+UAAECBAgQIECAgKD2AwQIECBAgAABAgSCgKAOeKYECBAgQIAAAQIEBLUfIECAAAECBAgQIBAEBHXAMyVAgAABAgQIECAgqP0AAQIECBAgQIAAgSAgqAOeKQECBAgQIECAAAFB7QcIECBAgAABAgQIBAFBHfBMCRAgQIAAAQIECAhqP0CAAAECBAgQIEAgCAjqgGdKgAABAgQIECBAQFD7AQIECBAgQIAAAQJBQFAHPFMCBAgQIECAAAECgtoPECBAgAABAgQIEAgCgjrgmRIgQIAAAQIECBAQ1H6AAAECBAgQIECAQBAQ1AHPlAABAgQIECBAgICg9gMECBAgQIAAAQIEgoCgDnimBAgQIECAAAECBAS1HyBAgAABAgQIECAQBAR1wDMlQIAAAQIECBAgIKj9AAECBAgQIECAAIEgIKgDnikBAgQIECBAgAABQe0HCBAgQIAAAQIECAQBQR3wTAkQIECAAAECBAgIaj9AgAABAgQIECBAIAgI6oBnSoAAAQIECBAgQEBQ+wECBAgQIECAAAECQUBQBzxTAgQIECBAgAABAoLaDxAgQIAAAQIECBAIAoI64JkSIECAAAECBAgQENR+gAABAgQIECBAgEAQENQBz5QAAQIECBAgQICAoPYDBAgQIECAAAECBIKAoA54pgQIECBAgAABAgQEtR8gQIAAAQIECBAgEAQEdcAzJUCAAAECBAgQICCo/QABAgQIECBAgACBICCoA54pAQIECBAgQIAAAUHtBwgQIECAAAECBAgEAUEd8EwJECBAgAABAgQICGo/QIAAAQIECBAgQCAICOqAZ0qAAAECBAgQIEBAUPsBAgQIECBAgAABAkFAUAc8UwIECBAgQIAAAQKC2g8QIECAAAECBAgQCAKCOuCZEiBAgAABAgQIEBDUfoAAAQIECBAgQIBAEBDUAc+UAAECBAgQIECAgKD2AwQIECBAgAABAgSCgKAOeKYECBAgQIAAAQIEBLUfIECAAAECBAgQIBAEBHXAMyVAgAABAgQIECAgqP0AAQIECBAgQIAAgSAgqAOeKQECBAgQIECAAAFB7QcIECBAgAABAgQIBAFBHfBMCRAgQIAAAQIECAhqP0CAAAECBAgQIEAgCAjqgGdKgAABAgQIECBAQFD7AQIECBAgQIAAAQJBQFAHPFMCBAgQIECAAAECgtoPECBAgAABAgQIEAgCgjrgmRIgQIAAAQIECBAQ1H6AAAECBAgQIECAQBAQ1AHPlAABAgQIECBAgICg9gMECBAgQIAAAQIEgoCgDnimBAgQIECAAAECBAS1HyBAgAABAgQIECAQBAR1wDMlQIAAAQIECBAgIKj9AAECBAgQIECAAIEgIKgDnikBAgQIECBAgAABQe0HCBAgQIAAAQIECAQBQR3wTAkQIECAAAECBAgIaj9AgAABAgQIECBAIAgI6oBnSoAAAQIECBAgQEBQ+wECBAgQIECAAAECQUBQBzxTAgQIECBAgAABAoLaDxAgQIAAAQIECBAIAoI64JkSIECAAAECBAgQENR+gAABAgQIECBAgEAQENQBz5QAAQIECBAgQICAoPYDBAgQIECAAAECBIKAoA54pgQIECBAgAABAgQEtR8gQIAAAQIECBAgEAQEdcAzJUCAAAECBAgQICCo/QABAgQIECBAgACBICCoA54pAQIECBAgQIAAAUHtBwgQIECAAAECBAgEAUEd8EwJECBAgAABAgQICGo/QIAAAQIECBAgQCAICOqAZ0qAAAECBAgQIEBAUPsBAgQIECBAgAABAkFAUAc8UwIECBAgQIAAAQKC2g8QIECAAAECBAgQCAKCOuCZEiBAgAABAgQIEBDUfoAAAQIECBAgQIBAEBDUAc+UAAECBAgQIECAgKD2AwQIECBAgAABAgSCgKAOeKYECBAgQIAAAQIEBLUfIECAAAECBAgQIBAEBHXAMyVAgAABAgQIECAgqP0AAQIECBAgQIAAgSAgqAOeKQECBAgQIECAAAFB7QcIECBAgAABAgQIBAFBHfBMCRAgQIAAAQIECAhqP0CAAAECBAgQIEAgCAjqgGdKgAABAgQIECBAQFD7AQIECBAgQIAAAQJBQFAHPFMCBAgQIECAAAECgtoPECBAgAABAgQIEAgCgjrgmRIgQIAAAQIECBAQ1H6AAAECBAgQIECAQBAQ1AHPlAABAgQIECBAgICg9gMECBAgQIAAAQIEgoCgDnimBAgQIECAAAECBAS1HyBAgAABAgQIECAQBAR1wDMlQIAAAQIECBAgIKj9AAECBAgQIECAAIEgIKgDnikBAgQIECBAgAABQe0HCBAgQIAAAQIECAQBQR3wTAkQIECAAAECBAgIaj9AgAABAgQIECBAIAgI6oBnSoAAAQIECBAgQEBQ+wECBAgQIECAAAECQUBQBzxTAgQIECBAgAABAoLaDxAgQIAAAQIECBAIAoI64JkSIECAAAECBAgQENR+gAABAgQIECBAgEAQENQBz5QAAQIECBAgQICAoPYDBAgQIECAAAECBIKAoA54pgQIECBAgAABAgQEtR8gQIAAAQIECBAgEAQEdcAzJUCAAAECBAgQICCo/QABAgQIECBAgACBICCoA54pAQIECBAgQIAAAUHtBwgQIECAAAECBAgEAUEd8EwJECBAgAABAgQICGo/QIAAAQIECBAgQCAICOqAZ0qAAAECBAgQIEBAUPsBAgQIECBAgAABAkFAUAc8UwIECBAgQIAAAQKC2g8QIECAAAECBAgQCAKCOuCZEiBAgAABAgQIEBDUfoAAAQIECBAgQIBAEBDUAc+UAAECBAgQIECAgKD2AwQIECBAgAABAgSCgKAOeKYECBAgQIAAAQIEBLUfIECAAAECBAgQIBAEBHXAMyVAgAABAgQIECAgqP0AAQIECBAgQIAAgSAgqAOeKQECBAgQIECAAAFB7QcIECBAgAABAgQIBAFBHfBMCRAgQIAAAQIECAhqP0CAAAECBAgQIEAgCAjqgGdKgAABAgQIECBAQFD7AQIECBAgQIAAAQJBQFAHPFMCBAgQIECAAAECgtoPECBAgAABAgQIEAgCgjrgmRIgQIAAAQIECBAQ1H6AAAECBAgQIECAQBAQ1AHPlAABAgQIECBAgICg9gMECBAgQIAAAQIEgoCgDnimBAgQIECAAAECBAS1HyBAgAABAgQIECAQBAR1wDMlQIAAAQIECBAgIKj9AAECBAgQIECAAIEgIKgDnikBAgQIECBAgAABQe0HCBAgQIAAAQIECAQBQR3wTAkQIECAAAECBAgIaj9AgAABAgQIECBAIAgI6oBnSoAAAQIECBAgQEBQ+wECBAgQIECAAAECQUBQBzxTAgQIECBAgAABAoLaDxAgQIAAAQIECBAIAoI64JkSIECAAAECBAgQENR+gAABAgQIECBAgEAQENQBz5QAAQIECBAgQICAoPYDBBLBtwYAAAFTSURBVAgQIECAAAECBIKAoA54pgQIECBAgAABAgQEtR8gQIAAAQIECBAgEAQEdcAzJUCAAAECBAgQICCo/QABAgQIECBAgACBICCoA54pAQIECBAgQIAAAUHtBwgQIECAAAECBAgEAUEd8EwJECBAgAABAgQICGo/QIAAAQIECBAgQCAICOqAZ0qAAAECBAgQIEBAUPsBAgQIECBAgAABAkFAUAc8UwIECBAgQIAAAQKC2g8QIECAAAECBAgQCAKCOuCZEiBAgAABAgQIEBDUfoAAAQIECBAgQIBAEBDUAc+UAAECBAgQIECAgKD2AwQIECBAgAABAgSCgKAOeKYECBAgQIAAAQIEBLUfIECAAAECBAgQIBAEBHXAMyVAgAABAgQIECAgqP0AAQIECBAgQIAAgSAgqAOeKQECBAgQIECAAAFB7QcIECBAgAABAgQIBIEDtnACRLdWbI4AAAAASUVORK5CYII="/>
+          <p:cNvSpPr>
+            <a:spLocks noChangeAspect="1" noChangeArrowheads="1"/>
+          </p:cNvSpPr>
+          <p:nvPr/>
+        </p:nvSpPr>
+        <p:spPr bwMode="auto">
+          <a:xfrm>
+            <a:off x="155575" y="-144463"/>
+            <a:ext cx="304800" cy="304801"/>
           </a:xfrm>
           <a:prstGeom prst="rect">
             <a:avLst/>
           </a:prstGeom>
           <a:noFill/>
+          <a:extLst>
+            <a:ext uri="{909E8E84-426E-40DD-AFC4-6F175D3DCCD1}">
+              <a14:hiddenFill xmlns:a14="http://schemas.microsoft.com/office/drawing/2010/main">
+                <a:solidFill>
+                  <a:srgbClr val="FFFFFF"/>
+                </a:solidFill>
+              </a14:hiddenFill>
+            </a:ext>
+          </a:extLst>
         </p:spPr>
         <p:txBody>
-          <a:bodyPr wrap="square" lIns="91440" tIns="45720" rIns="91440" bIns="45720">
-            <a:spAutoFit/>
+          <a:bodyPr vert="horz" wrap="square" lIns="91440" tIns="45720" rIns="91440" bIns="45720" numCol="1" anchor="t" anchorCtr="0" compatLnSpc="1">
+            <a:prstTxWarp prst="textNoShape">
+              <a:avLst/>
+            </a:prstTxWarp>
           </a:bodyPr>
           <a:lstStyle/>
           <a:p>
-            <a:pPr algn="ctr"/>
-            <a:r>
-              <a:rPr lang="en-US" sz="8800" dirty="0" err="1" smtClean="0">
-                <a:ln w="0"/>
-                <a:effectLst>
-                  <a:outerShdw blurRad="38100" dist="19050" dir="2700000" algn="tl" rotWithShape="0">
-                    <a:schemeClr val="dk1">
-                      <a:alpha val="40000"/>
-                    </a:schemeClr>
-                  </a:outerShdw>
-                </a:effectLst>
-                <a:latin typeface="Segoe Script" panose="030B0504020000000003" pitchFamily="66" charset="0"/>
-                <a:cs typeface="+mj-cs"/>
-              </a:rPr>
-              <a:t>UOrder</a:t>
-            </a:r>
-            <a:endParaRPr lang="he-IL" sz="8800" cap="none" spc="0" dirty="0">
-              <a:ln w="0"/>
-              <a:effectLst>
-                <a:outerShdw blurRad="38100" dist="19050" dir="2700000" algn="tl" rotWithShape="0">
-                  <a:schemeClr val="dk1">
-                    <a:alpha val="40000"/>
-                  </a:schemeClr>
-                </a:outerShdw>
-              </a:effectLst>
-              <a:latin typeface="Segoe Script" panose="030B0504020000000003" pitchFamily="66" charset="0"/>
-              <a:cs typeface="+mj-cs"/>
-            </a:endParaRPr>
+            <a:endParaRPr lang="he-IL"/>
           </a:p>
         </p:txBody>
       </p:sp>
@@ -3138,8 +3229,8 @@
         </p:blipFill>
         <p:spPr bwMode="auto">
           <a:xfrm>
-            <a:off x="88900" y="1"/>
-            <a:ext cx="12192000" cy="6857999"/>
+            <a:off x="0" y="1"/>
+            <a:ext cx="12280900" cy="6857999"/>
           </a:xfrm>
           <a:prstGeom prst="rect">
             <a:avLst/>
@@ -3188,39 +3279,7 @@
                   <a:schemeClr val="bg1"/>
                 </a:solidFill>
               </a:rPr>
-              <a:t>תקופת הקורונה </a:t>
-            </a:r>
-            <a:r>
-              <a:rPr lang="he-IL" sz="4000" dirty="0" smtClean="0">
-                <a:solidFill>
-                  <a:schemeClr val="bg1"/>
-                </a:solidFill>
-              </a:rPr>
-              <a:t>הביאה אותנו לסיטואציה שבה יש סכנה ממשית לצאת ולהיחשף לאנשים </a:t>
-            </a:r>
-            <a:r>
-              <a:rPr lang="he-IL" sz="4000" dirty="0" smtClean="0">
-                <a:solidFill>
-                  <a:schemeClr val="bg1"/>
-                </a:solidFill>
-              </a:rPr>
-              <a:t>דבר </a:t>
-            </a:r>
-            <a:r>
-              <a:rPr lang="he-IL" sz="4000" dirty="0" smtClean="0">
-                <a:solidFill>
-                  <a:schemeClr val="bg1"/>
-                </a:solidFill>
-              </a:rPr>
-              <a:t>שגורם </a:t>
-            </a:r>
-            <a:r>
-              <a:rPr lang="he-IL" sz="4000" dirty="0" smtClean="0">
-                <a:solidFill>
-                  <a:schemeClr val="bg1"/>
-                </a:solidFill>
-              </a:rPr>
-              <a:t>לקשיים רבים בכל תחומי החיים.</a:t>
+              <a:t>תקופת הקורונה הביאה אותנו לסיטואציה שבה יש סכנה ממשית לצאת ולהיחשף לאנשים דבר שגורם לקשיים רבים בכל תחומי החיים.</a:t>
             </a:r>
           </a:p>
           <a:p>
@@ -3685,7 +3744,7 @@
         </p:blipFill>
         <p:spPr bwMode="auto">
           <a:xfrm>
-            <a:off x="0" y="0"/>
+            <a:off x="0" y="-70930"/>
             <a:ext cx="12192000" cy="6928930"/>
           </a:xfrm>
           <a:prstGeom prst="rect">
@@ -3705,14 +3764,14 @@
       </p:pic>
       <p:sp>
         <p:nvSpPr>
-          <p:cNvPr id="4" name="TextBox 3"/>
-          <p:cNvSpPr txBox="1"/>
+          <p:cNvPr id="6" name="מלבן 5"/>
+          <p:cNvSpPr/>
           <p:nvPr/>
         </p:nvSpPr>
         <p:spPr>
           <a:xfrm>
-            <a:off x="1590674" y="2552518"/>
-            <a:ext cx="9010650" cy="2092881"/>
+            <a:off x="3232658" y="2559955"/>
+            <a:ext cx="5726684" cy="1107996"/>
           </a:xfrm>
           <a:prstGeom prst="rect">
             <a:avLst/>
@@ -3720,58 +3779,14 @@
           <a:noFill/>
         </p:spPr>
         <p:txBody>
-          <a:bodyPr wrap="square" rtlCol="1">
+          <a:bodyPr wrap="square" lIns="91440" tIns="45720" rIns="91440" bIns="45720">
             <a:spAutoFit/>
           </a:bodyPr>
           <a:lstStyle/>
           <a:p>
-            <a:pPr marL="285750" indent="-285750">
-              <a:buFont typeface="Arial" panose="020B0604020202020204" pitchFamily="34" charset="0"/>
-              <a:buChar char="•"/>
-            </a:pPr>
-            <a:r>
-              <a:rPr lang="he-IL" sz="2800" dirty="0" smtClean="0"/>
-              <a:t>בעקבות העלייה בתחלואה כל המסעדות נסגרו ללקוחות לכן ענף </a:t>
-            </a:r>
-            <a:r>
-              <a:rPr lang="he-IL" sz="2800" dirty="0"/>
-              <a:t>המסעדנות ספג מכה כלכלית קשה בשל אופציות החשיפה </a:t>
-            </a:r>
-            <a:r>
-              <a:rPr lang="he-IL" sz="2800" dirty="0" smtClean="0"/>
-              <a:t>הרבות המצויות במסעדות. לכן חיפשנו גורמים שיסיעו לנו בשיפור המצב שמירה על בריאותינו.</a:t>
-            </a:r>
-          </a:p>
-          <a:p>
-            <a:endParaRPr lang="he-IL" dirty="0" smtClean="0"/>
-          </a:p>
-        </p:txBody>
-      </p:sp>
-      <p:sp>
-        <p:nvSpPr>
-          <p:cNvPr id="6" name="מלבן 5"/>
-          <p:cNvSpPr/>
-          <p:nvPr/>
-        </p:nvSpPr>
-        <p:spPr>
-          <a:xfrm>
-            <a:off x="4001516" y="535194"/>
-            <a:ext cx="4188967" cy="923330"/>
-          </a:xfrm>
-          <a:prstGeom prst="rect">
-            <a:avLst/>
-          </a:prstGeom>
-          <a:noFill/>
-        </p:spPr>
-        <p:txBody>
-          <a:bodyPr wrap="none" lIns="91440" tIns="45720" rIns="91440" bIns="45720">
-            <a:spAutoFit/>
-          </a:bodyPr>
-          <a:lstStyle/>
-          <a:p>
             <a:pPr algn="ctr"/>
             <a:r>
-              <a:rPr lang="he-IL" sz="5400" dirty="0" smtClean="0">
+              <a:rPr lang="he-IL" sz="6600" dirty="0" smtClean="0">
                 <a:ln w="0"/>
                 <a:effectLst>
                   <a:outerShdw blurRad="38100" dist="19050" dir="2700000" algn="tl" rotWithShape="0">
@@ -3783,7 +3798,7 @@
               </a:rPr>
               <a:t>אז מה הבעיה?</a:t>
             </a:r>
-            <a:endParaRPr lang="he-IL" sz="5400" b="0" cap="none" spc="0" dirty="0">
+            <a:endParaRPr lang="he-IL" sz="6600" b="0" cap="none" spc="0" dirty="0">
               <a:ln w="0"/>
               <a:solidFill>
                 <a:schemeClr val="tx1"/>
@@ -3824,88 +3839,9 @@
   <p:timing>
     <p:tnLst>
       <p:par>
-        <p:cTn id="1" dur="indefinite" restart="never" nodeType="tmRoot">
-          <p:childTnLst>
-            <p:seq concurrent="1" nextAc="seek">
-              <p:cTn id="2" dur="indefinite" nodeType="mainSeq">
-                <p:childTnLst>
-                  <p:par>
-                    <p:cTn id="3" fill="hold">
-                      <p:stCondLst>
-                        <p:cond delay="indefinite"/>
-                      </p:stCondLst>
-                      <p:childTnLst>
-                        <p:par>
-                          <p:cTn id="4" fill="hold">
-                            <p:stCondLst>
-                              <p:cond delay="0"/>
-                            </p:stCondLst>
-                            <p:childTnLst>
-                              <p:par>
-                                <p:cTn id="5" presetID="22" presetClass="entr" presetSubtype="4" fill="hold" grpId="0" nodeType="clickEffect">
-                                  <p:stCondLst>
-                                    <p:cond delay="0"/>
-                                  </p:stCondLst>
-                                  <p:childTnLst>
-                                    <p:set>
-                                      <p:cBhvr>
-                                        <p:cTn id="6" dur="1" fill="hold">
-                                          <p:stCondLst>
-                                            <p:cond delay="0"/>
-                                          </p:stCondLst>
-                                        </p:cTn>
-                                        <p:tgtEl>
-                                          <p:spTgt spid="4"/>
-                                        </p:tgtEl>
-                                        <p:attrNameLst>
-                                          <p:attrName>style.visibility</p:attrName>
-                                        </p:attrNameLst>
-                                      </p:cBhvr>
-                                      <p:to>
-                                        <p:strVal val="visible"/>
-                                      </p:to>
-                                    </p:set>
-                                    <p:animEffect transition="in" filter="wipe(down)">
-                                      <p:cBhvr>
-                                        <p:cTn id="7" dur="500"/>
-                                        <p:tgtEl>
-                                          <p:spTgt spid="4"/>
-                                        </p:tgtEl>
-                                      </p:cBhvr>
-                                    </p:animEffect>
-                                  </p:childTnLst>
-                                </p:cTn>
-                              </p:par>
-                            </p:childTnLst>
-                          </p:cTn>
-                        </p:par>
-                      </p:childTnLst>
-                    </p:cTn>
-                  </p:par>
-                </p:childTnLst>
-              </p:cTn>
-              <p:prevCondLst>
-                <p:cond evt="onPrev" delay="0">
-                  <p:tgtEl>
-                    <p:sldTgt/>
-                  </p:tgtEl>
-                </p:cond>
-              </p:prevCondLst>
-              <p:nextCondLst>
-                <p:cond evt="onNext" delay="0">
-                  <p:tgtEl>
-                    <p:sldTgt/>
-                  </p:tgtEl>
-                </p:cond>
-              </p:nextCondLst>
-            </p:seq>
-          </p:childTnLst>
-        </p:cTn>
+        <p:cTn id="1" dur="indefinite" restart="never" nodeType="tmRoot"/>
       </p:par>
     </p:tnLst>
-    <p:bldLst>
-      <p:bldP spid="4" grpId="0"/>
-    </p:bldLst>
   </p:timing>
 </p:sld>
 </file>
@@ -4038,7 +3974,7 @@
         </p:blipFill>
         <p:spPr bwMode="auto">
           <a:xfrm>
-            <a:off x="5014912" y="2730648"/>
+            <a:off x="5014912" y="2923678"/>
             <a:ext cx="2162175" cy="2162175"/>
           </a:xfrm>
           <a:prstGeom prst="rect">
@@ -4179,33 +4115,15 @@
                                   </p:childTnLst>
                                 </p:cTn>
                               </p:par>
-                            </p:childTnLst>
-                          </p:cTn>
-                        </p:par>
-                      </p:childTnLst>
-                    </p:cTn>
-                  </p:par>
-                  <p:par>
-                    <p:cTn id="10" fill="hold">
-                      <p:stCondLst>
-                        <p:cond delay="indefinite"/>
-                      </p:stCondLst>
-                      <p:childTnLst>
-                        <p:par>
-                          <p:cTn id="11" fill="hold">
-                            <p:stCondLst>
-                              <p:cond delay="0"/>
-                            </p:stCondLst>
-                            <p:childTnLst>
                               <p:par>
-                                <p:cTn id="12" presetID="45" presetClass="entr" presetSubtype="0" fill="hold" nodeType="clickEffect">
+                                <p:cTn id="10" presetID="45" presetClass="entr" presetSubtype="0" fill="hold" nodeType="withEffect">
                                   <p:stCondLst>
                                     <p:cond delay="0"/>
                                   </p:stCondLst>
                                   <p:childTnLst>
                                     <p:set>
                                       <p:cBhvr>
-                                        <p:cTn id="13" dur="1" fill="hold">
+                                        <p:cTn id="11" dur="1" fill="hold">
                                           <p:stCondLst>
                                             <p:cond delay="0"/>
                                           </p:stCondLst>
@@ -4223,7 +4141,7 @@
                                     </p:set>
                                     <p:animEffect transition="in" filter="fade">
                                       <p:cBhvr>
-                                        <p:cTn id="14" dur="2000"/>
+                                        <p:cTn id="12" dur="2000"/>
                                         <p:tgtEl>
                                           <p:spTgt spid="3074"/>
                                         </p:tgtEl>
@@ -4231,7 +4149,7 @@
                                     </p:animEffect>
                                     <p:anim calcmode="lin" valueType="num">
                                       <p:cBhvr>
-                                        <p:cTn id="15" dur="2000" fill="hold"/>
+                                        <p:cTn id="13" dur="2000" fill="hold"/>
                                         <p:tgtEl>
                                           <p:spTgt spid="3074"/>
                                         </p:tgtEl>
@@ -4254,7 +4172,7 @@
                                     </p:anim>
                                     <p:anim calcmode="lin" valueType="num">
                                       <p:cBhvr>
-                                        <p:cTn id="16" dur="2000" fill="hold"/>
+                                        <p:cTn id="14" dur="2000" fill="hold"/>
                                         <p:tgtEl>
                                           <p:spTgt spid="3074"/>
                                         </p:tgtEl>
@@ -4278,33 +4196,15 @@
                                   </p:childTnLst>
                                 </p:cTn>
                               </p:par>
-                            </p:childTnLst>
-                          </p:cTn>
-                        </p:par>
-                      </p:childTnLst>
-                    </p:cTn>
-                  </p:par>
-                  <p:par>
-                    <p:cTn id="17" fill="hold">
-                      <p:stCondLst>
-                        <p:cond delay="indefinite"/>
-                      </p:stCondLst>
-                      <p:childTnLst>
-                        <p:par>
-                          <p:cTn id="18" fill="hold">
-                            <p:stCondLst>
-                              <p:cond delay="0"/>
-                            </p:stCondLst>
-                            <p:childTnLst>
                               <p:par>
-                                <p:cTn id="19" presetID="2" presetClass="entr" presetSubtype="4" fill="hold" grpId="0" nodeType="clickEffect">
+                                <p:cTn id="15" presetID="2" presetClass="entr" presetSubtype="4" fill="hold" grpId="0" nodeType="withEffect">
                                   <p:stCondLst>
                                     <p:cond delay="0"/>
                                   </p:stCondLst>
                                   <p:childTnLst>
                                     <p:set>
                                       <p:cBhvr>
-                                        <p:cTn id="20" dur="1" fill="hold">
+                                        <p:cTn id="16" dur="1" fill="hold">
                                           <p:stCondLst>
                                             <p:cond delay="0"/>
                                           </p:stCondLst>
@@ -4322,7 +4222,7 @@
                                     </p:set>
                                     <p:anim calcmode="lin" valueType="num">
                                       <p:cBhvr additive="base">
-                                        <p:cTn id="21" dur="500" fill="hold"/>
+                                        <p:cTn id="17" dur="500" fill="hold"/>
                                         <p:tgtEl>
                                           <p:spTgt spid="5"/>
                                         </p:tgtEl>
@@ -4345,7 +4245,7 @@
                                     </p:anim>
                                     <p:anim calcmode="lin" valueType="num">
                                       <p:cBhvr additive="base">
-                                        <p:cTn id="22" dur="500" fill="hold"/>
+                                        <p:cTn id="18" dur="500" fill="hold"/>
                                         <p:tgtEl>
                                           <p:spTgt spid="5"/>
                                         </p:tgtEl>
